--- a/presentation/GAB-AzureWebApps2019.pptx
+++ b/presentation/GAB-AzureWebApps2019.pptx
@@ -5,7 +5,7 @@
     <p:sldMasterId id="2147484025" r:id="rId1"/>
   </p:sldMasterIdLst>
   <p:notesMasterIdLst>
-    <p:notesMasterId r:id="rId22"/>
+    <p:notesMasterId r:id="rId21"/>
   </p:notesMasterIdLst>
   <p:sldIdLst>
     <p:sldId id="256" r:id="rId2"/>
@@ -22,12 +22,11 @@
     <p:sldId id="269" r:id="rId13"/>
     <p:sldId id="270" r:id="rId14"/>
     <p:sldId id="274" r:id="rId15"/>
-    <p:sldId id="266" r:id="rId16"/>
-    <p:sldId id="278" r:id="rId17"/>
-    <p:sldId id="279" r:id="rId18"/>
-    <p:sldId id="275" r:id="rId19"/>
-    <p:sldId id="273" r:id="rId20"/>
-    <p:sldId id="281" r:id="rId21"/>
+    <p:sldId id="278" r:id="rId16"/>
+    <p:sldId id="279" r:id="rId17"/>
+    <p:sldId id="275" r:id="rId18"/>
+    <p:sldId id="266" r:id="rId19"/>
+    <p:sldId id="281" r:id="rId20"/>
   </p:sldIdLst>
   <p:sldSz cx="12192000" cy="6858000"/>
   <p:notesSz cx="6858000" cy="9144000"/>
@@ -1104,7 +1103,7 @@
           <a:p>
             <a:fld id="{24F02AAE-B7E4-4DBC-B92F-46554422F3FF}" type="slidenum">
               <a:rPr lang="en-US" smtClean="0"/>
-              <a:t>16</a:t>
+              <a:t>15</a:t>
             </a:fld>
             <a:endParaRPr lang="en-US"/>
           </a:p>
@@ -1311,7 +1310,7 @@
           <a:p>
             <a:fld id="{24F02AAE-B7E4-4DBC-B92F-46554422F3FF}" type="slidenum">
               <a:rPr lang="en-US" smtClean="0"/>
-              <a:t>17</a:t>
+              <a:t>16</a:t>
             </a:fld>
             <a:endParaRPr lang="en-US"/>
           </a:p>
@@ -1395,7 +1394,7 @@
           <a:p>
             <a:fld id="{24F02AAE-B7E4-4DBC-B92F-46554422F3FF}" type="slidenum">
               <a:rPr lang="en-US" smtClean="0"/>
-              <a:t>18</a:t>
+              <a:t>17</a:t>
             </a:fld>
             <a:endParaRPr lang="en-US"/>
           </a:p>
@@ -5683,92 +5682,6 @@
           <p:cNvPr id="2" name="Title 1">
             <a:extLst>
               <a:ext uri="{FF2B5EF4-FFF2-40B4-BE49-F238E27FC236}">
-                <a16:creationId xmlns:a16="http://schemas.microsoft.com/office/drawing/2014/main" id="{686BCE0F-BABC-4AC3-BAC9-0E85E54523A8}"/>
-              </a:ext>
-            </a:extLst>
-          </p:cNvPr>
-          <p:cNvSpPr>
-            <a:spLocks noGrp="1"/>
-          </p:cNvSpPr>
-          <p:nvPr>
-            <p:ph type="title"/>
-          </p:nvPr>
-        </p:nvSpPr>
-        <p:spPr/>
-        <p:txBody>
-          <a:bodyPr/>
-          <a:lstStyle/>
-          <a:p>
-            <a:r>
-              <a:rPr lang="en-US" dirty="0"/>
-              <a:t>Securing Web Apps</a:t>
-            </a:r>
-          </a:p>
-        </p:txBody>
-      </p:sp>
-      <p:sp>
-        <p:nvSpPr>
-          <p:cNvPr id="3" name="Text Placeholder 2">
-            <a:extLst>
-              <a:ext uri="{FF2B5EF4-FFF2-40B4-BE49-F238E27FC236}">
-                <a16:creationId xmlns:a16="http://schemas.microsoft.com/office/drawing/2014/main" id="{6AC737B6-D8EF-471C-BD82-BABFBE76F5EF}"/>
-              </a:ext>
-            </a:extLst>
-          </p:cNvPr>
-          <p:cNvSpPr>
-            <a:spLocks noGrp="1"/>
-          </p:cNvSpPr>
-          <p:nvPr>
-            <p:ph type="body" idx="1"/>
-          </p:nvPr>
-        </p:nvSpPr>
-        <p:spPr/>
-        <p:txBody>
-          <a:bodyPr/>
-          <a:lstStyle/>
-          <a:p>
-            <a:r>
-              <a:rPr lang="en-US" dirty="0"/>
-              <a:t>https://www.github.com/jasonhaley/SecuringWebApps</a:t>
-            </a:r>
-          </a:p>
-        </p:txBody>
-      </p:sp>
-    </p:spTree>
-    <p:extLst>
-      <p:ext uri="{BB962C8B-B14F-4D97-AF65-F5344CB8AC3E}">
-        <p14:creationId xmlns:p14="http://schemas.microsoft.com/office/powerpoint/2010/main" val="379571898"/>
-      </p:ext>
-    </p:extLst>
-  </p:cSld>
-  <p:clrMapOvr>
-    <a:masterClrMapping/>
-  </p:clrMapOvr>
-</p:sld>
-</file>
-
-<file path=ppt/slides/slide16.xml><?xml version="1.0" encoding="utf-8"?>
-<p:sld xmlns:a="http://schemas.openxmlformats.org/drawingml/2006/main" xmlns:r="http://schemas.openxmlformats.org/officeDocument/2006/relationships" xmlns:p="http://schemas.openxmlformats.org/presentationml/2006/main">
-  <p:cSld>
-    <p:spTree>
-      <p:nvGrpSpPr>
-        <p:cNvPr id="1" name=""/>
-        <p:cNvGrpSpPr/>
-        <p:nvPr/>
-      </p:nvGrpSpPr>
-      <p:grpSpPr>
-        <a:xfrm>
-          <a:off x="0" y="0"/>
-          <a:ext cx="0" cy="0"/>
-          <a:chOff x="0" y="0"/>
-          <a:chExt cx="0" cy="0"/>
-        </a:xfrm>
-      </p:grpSpPr>
-      <p:sp>
-        <p:nvSpPr>
-          <p:cNvPr id="2" name="Title 1">
-            <a:extLst>
-              <a:ext uri="{FF2B5EF4-FFF2-40B4-BE49-F238E27FC236}">
                 <a16:creationId xmlns:a16="http://schemas.microsoft.com/office/drawing/2014/main" id="{87A61D9B-33D9-4BC4-8687-EEFFB0317C1E}"/>
               </a:ext>
             </a:extLst>
@@ -5971,7 +5884,7 @@
 </p:sld>
 </file>
 
-<file path=ppt/slides/slide17.xml><?xml version="1.0" encoding="utf-8"?>
+<file path=ppt/slides/slide16.xml><?xml version="1.0" encoding="utf-8"?>
 <p:sld xmlns:a="http://schemas.openxmlformats.org/drawingml/2006/main" xmlns:r="http://schemas.openxmlformats.org/officeDocument/2006/relationships" xmlns:p="http://schemas.openxmlformats.org/presentationml/2006/main">
   <p:cSld>
     <p:spTree>
@@ -6140,7 +6053,7 @@
 </p:sld>
 </file>
 
-<file path=ppt/slides/slide18.xml><?xml version="1.0" encoding="utf-8"?>
+<file path=ppt/slides/slide17.xml><?xml version="1.0" encoding="utf-8"?>
 <p:sld xmlns:a="http://schemas.openxmlformats.org/drawingml/2006/main" xmlns:r="http://schemas.openxmlformats.org/officeDocument/2006/relationships" xmlns:p="http://schemas.openxmlformats.org/presentationml/2006/main">
   <p:cSld>
     <p:spTree>
@@ -6264,6 +6177,99 @@
 </p:sld>
 </file>
 
+<file path=ppt/slides/slide18.xml><?xml version="1.0" encoding="utf-8"?>
+<p:sld xmlns:a="http://schemas.openxmlformats.org/drawingml/2006/main" xmlns:r="http://schemas.openxmlformats.org/officeDocument/2006/relationships" xmlns:p="http://schemas.openxmlformats.org/presentationml/2006/main">
+  <p:cSld>
+    <p:spTree>
+      <p:nvGrpSpPr>
+        <p:cNvPr id="1" name=""/>
+        <p:cNvGrpSpPr/>
+        <p:nvPr/>
+      </p:nvGrpSpPr>
+      <p:grpSpPr>
+        <a:xfrm>
+          <a:off x="0" y="0"/>
+          <a:ext cx="0" cy="0"/>
+          <a:chOff x="0" y="0"/>
+          <a:chExt cx="0" cy="0"/>
+        </a:xfrm>
+      </p:grpSpPr>
+      <p:sp>
+        <p:nvSpPr>
+          <p:cNvPr id="2" name="Title 1">
+            <a:extLst>
+              <a:ext uri="{FF2B5EF4-FFF2-40B4-BE49-F238E27FC236}">
+                <a16:creationId xmlns:a16="http://schemas.microsoft.com/office/drawing/2014/main" id="{686BCE0F-BABC-4AC3-BAC9-0E85E54523A8}"/>
+              </a:ext>
+            </a:extLst>
+          </p:cNvPr>
+          <p:cNvSpPr>
+            <a:spLocks noGrp="1"/>
+          </p:cNvSpPr>
+          <p:nvPr>
+            <p:ph type="title"/>
+          </p:nvPr>
+        </p:nvSpPr>
+        <p:spPr/>
+        <p:txBody>
+          <a:bodyPr/>
+          <a:lstStyle/>
+          <a:p>
+            <a:r>
+              <a:rPr lang="en-US" dirty="0"/>
+              <a:t>LAB:</a:t>
+            </a:r>
+            <a:br>
+              <a:rPr lang="en-US" dirty="0"/>
+            </a:br>
+            <a:r>
+              <a:rPr lang="en-US" dirty="0"/>
+              <a:t>Managed Identity with Web Apps</a:t>
+            </a:r>
+          </a:p>
+        </p:txBody>
+      </p:sp>
+      <p:sp>
+        <p:nvSpPr>
+          <p:cNvPr id="3" name="Text Placeholder 2">
+            <a:extLst>
+              <a:ext uri="{FF2B5EF4-FFF2-40B4-BE49-F238E27FC236}">
+                <a16:creationId xmlns:a16="http://schemas.microsoft.com/office/drawing/2014/main" id="{6AC737B6-D8EF-471C-BD82-BABFBE76F5EF}"/>
+              </a:ext>
+            </a:extLst>
+          </p:cNvPr>
+          <p:cNvSpPr>
+            <a:spLocks noGrp="1"/>
+          </p:cNvSpPr>
+          <p:nvPr>
+            <p:ph type="body" idx="1"/>
+          </p:nvPr>
+        </p:nvSpPr>
+        <p:spPr/>
+        <p:txBody>
+          <a:bodyPr/>
+          <a:lstStyle/>
+          <a:p>
+            <a:r>
+              <a:rPr lang="en-US" dirty="0"/>
+              <a:t>https://www.github.com/jasonhaley/SecuringWebApps</a:t>
+            </a:r>
+          </a:p>
+        </p:txBody>
+      </p:sp>
+    </p:spTree>
+    <p:extLst>
+      <p:ext uri="{BB962C8B-B14F-4D97-AF65-F5344CB8AC3E}">
+        <p14:creationId xmlns:p14="http://schemas.microsoft.com/office/powerpoint/2010/main" val="379571898"/>
+      </p:ext>
+    </p:extLst>
+  </p:cSld>
+  <p:clrMapOvr>
+    <a:masterClrMapping/>
+  </p:clrMapOvr>
+</p:sld>
+</file>
+
 <file path=ppt/slides/slide19.xml><?xml version="1.0" encoding="utf-8"?>
 <p:sld xmlns:a="http://schemas.openxmlformats.org/drawingml/2006/main" xmlns:r="http://schemas.openxmlformats.org/officeDocument/2006/relationships" xmlns:p="http://schemas.openxmlformats.org/presentationml/2006/main">
   <p:cSld>
@@ -6286,7 +6292,7 @@
           <p:cNvPr id="2" name="Title 1">
             <a:extLst>
               <a:ext uri="{FF2B5EF4-FFF2-40B4-BE49-F238E27FC236}">
-                <a16:creationId xmlns:a16="http://schemas.microsoft.com/office/drawing/2014/main" id="{E5B0C998-F836-4C78-82EE-6532F2A5C9E1}"/>
+                <a16:creationId xmlns:a16="http://schemas.microsoft.com/office/drawing/2014/main" id="{40F85726-1CAE-4C0D-9124-1BF0AC4E6A95}"/>
               </a:ext>
             </a:extLst>
           </p:cNvPr>
@@ -6303,23 +6309,18 @@
           <a:lstStyle/>
           <a:p>
             <a:r>
-              <a:rPr lang="en-US" sz="5400" dirty="0"/>
-              <a:t>Connect SQL DB to a </a:t>
-            </a:r>
-            <a:r>
-              <a:rPr lang="en-US" sz="5400" dirty="0" err="1"/>
-              <a:t>VNet</a:t>
-            </a:r>
-            <a:endParaRPr lang="en-US" sz="5400" dirty="0"/>
-          </a:p>
-        </p:txBody>
-      </p:sp>
-      <p:sp>
-        <p:nvSpPr>
-          <p:cNvPr id="3" name="Text Placeholder 2">
+              <a:rPr lang="en-US" dirty="0"/>
+              <a:t>Resources</a:t>
+            </a:r>
+          </a:p>
+        </p:txBody>
+      </p:sp>
+      <p:sp>
+        <p:nvSpPr>
+          <p:cNvPr id="3" name="Content Placeholder 2">
             <a:extLst>
               <a:ext uri="{FF2B5EF4-FFF2-40B4-BE49-F238E27FC236}">
-                <a16:creationId xmlns:a16="http://schemas.microsoft.com/office/drawing/2014/main" id="{BD730C72-00EF-47A9-B5BF-104D0037DE30}"/>
+                <a16:creationId xmlns:a16="http://schemas.microsoft.com/office/drawing/2014/main" id="{9CD5FBC4-7C6F-404F-9EAC-92B4A78EAC79}"/>
               </a:ext>
             </a:extLst>
           </p:cNvPr>
@@ -6327,35 +6328,114 @@
             <a:spLocks noGrp="1"/>
           </p:cNvSpPr>
           <p:nvPr>
-            <p:ph type="body" idx="1"/>
-          </p:nvPr>
-        </p:nvSpPr>
-        <p:spPr/>
-        <p:txBody>
-          <a:bodyPr/>
-          <a:lstStyle/>
-          <a:p>
-            <a:pPr marL="457200" indent="-457200" algn="l">
-              <a:buAutoNum type="arabicPeriod"/>
-            </a:pPr>
-            <a:r>
-              <a:rPr lang="en-US" dirty="0"/>
-              <a:t>Add Network Rule</a:t>
-            </a:r>
-          </a:p>
-          <a:p>
-            <a:pPr marL="457200" indent="-457200" algn="l">
-              <a:buAutoNum type="arabicPeriod"/>
-            </a:pPr>
-            <a:r>
-              <a:rPr lang="en-US" dirty="0"/>
-              <a:t>Add AAD Group Managed Identity is in to SQL Server</a:t>
-            </a:r>
-          </a:p>
-          <a:p>
-            <a:pPr marL="457200" indent="-457200" algn="l">
-              <a:buAutoNum type="arabicPeriod"/>
-            </a:pPr>
+            <p:ph idx="1"/>
+          </p:nvPr>
+        </p:nvSpPr>
+        <p:spPr>
+          <a:xfrm>
+            <a:off x="1143000" y="1671145"/>
+            <a:ext cx="9872871" cy="4577255"/>
+          </a:xfrm>
+        </p:spPr>
+        <p:txBody>
+          <a:bodyPr>
+            <a:normAutofit fontScale="92500" lnSpcReduction="10000"/>
+          </a:bodyPr>
+          <a:lstStyle/>
+          <a:p>
+            <a:r>
+              <a:rPr lang="en-US" dirty="0"/>
+              <a:t>Samples:</a:t>
+            </a:r>
+          </a:p>
+          <a:p>
+            <a:pPr lvl="1"/>
+            <a:r>
+              <a:rPr lang="en-US" dirty="0">
+                <a:hlinkClick r:id="rId2"/>
+              </a:rPr>
+              <a:t>https://github.com/juunas11/Joonasw.ManagedIdentityDemos</a:t>
+            </a:r>
+            <a:endParaRPr lang="en-US" dirty="0"/>
+          </a:p>
+          <a:p>
+            <a:r>
+              <a:rPr lang="en-US" dirty="0"/>
+              <a:t>What is new in Azure App Service networking</a:t>
+            </a:r>
+          </a:p>
+          <a:p>
+            <a:pPr lvl="1"/>
+            <a:r>
+              <a:rPr lang="en-US" dirty="0">
+                <a:hlinkClick r:id="rId3"/>
+              </a:rPr>
+              <a:t>https://bit.ly/2FTre8Y</a:t>
+            </a:r>
+            <a:endParaRPr lang="en-US" dirty="0"/>
+          </a:p>
+          <a:p>
+            <a:r>
+              <a:rPr lang="en-US" dirty="0"/>
+              <a:t>In the security trenches of Azure SQL Database and Azure SQL Data Warehouse</a:t>
+            </a:r>
+          </a:p>
+          <a:p>
+            <a:pPr lvl="1"/>
+            <a:r>
+              <a:rPr lang="en-US" dirty="0">
+                <a:hlinkClick r:id="rId4"/>
+              </a:rPr>
+              <a:t>https://bit.ly/2S7wdIX</a:t>
+            </a:r>
+            <a:endParaRPr lang="en-US" dirty="0"/>
+          </a:p>
+          <a:p>
+            <a:r>
+              <a:rPr lang="en-US" dirty="0"/>
+              <a:t>Tutorial: Secure Azure SQL Database connection from App Service using a managed identity</a:t>
+            </a:r>
+          </a:p>
+          <a:p>
+            <a:pPr lvl="1"/>
+            <a:r>
+              <a:rPr lang="en-US" dirty="0">
+                <a:hlinkClick r:id="rId5"/>
+              </a:rPr>
+              <a:t>https://bit.ly/2RkdJAh</a:t>
+            </a:r>
+            <a:endParaRPr lang="en-US" dirty="0"/>
+          </a:p>
+          <a:p>
+            <a:r>
+              <a:rPr lang="en-US" dirty="0"/>
+              <a:t>Learn how to protect your data in Azure Storage with new features and capabilities</a:t>
+            </a:r>
+          </a:p>
+          <a:p>
+            <a:pPr lvl="1"/>
+            <a:r>
+              <a:rPr lang="en-US" dirty="0">
+                <a:hlinkClick r:id="rId6"/>
+              </a:rPr>
+              <a:t>https://bit.ly/2WjP96m</a:t>
+            </a:r>
+            <a:endParaRPr lang="en-US" dirty="0"/>
+          </a:p>
+          <a:p>
+            <a:r>
+              <a:rPr lang="en-US" dirty="0"/>
+              <a:t>Manage keys, secrets, and certificates for secure apps and data with Azure Key Vault </a:t>
+            </a:r>
+          </a:p>
+          <a:p>
+            <a:pPr lvl="1"/>
+            <a:r>
+              <a:rPr lang="en-US" dirty="0">
+                <a:hlinkClick r:id="rId7"/>
+              </a:rPr>
+              <a:t>https://bit.ly/2HEfZCU</a:t>
+            </a:r>
             <a:endParaRPr lang="en-US" dirty="0"/>
           </a:p>
         </p:txBody>
@@ -6363,7 +6443,7 @@
     </p:spTree>
     <p:extLst>
       <p:ext uri="{BB962C8B-B14F-4D97-AF65-F5344CB8AC3E}">
-        <p14:creationId xmlns:p14="http://schemas.microsoft.com/office/powerpoint/2010/main" val="1360899350"/>
+        <p14:creationId xmlns:p14="http://schemas.microsoft.com/office/powerpoint/2010/main" val="2418058692"/>
       </p:ext>
     </p:extLst>
   </p:cSld>
@@ -6453,7 +6533,7 @@
           <a:p>
             <a:r>
               <a:rPr lang="en-US" dirty="0"/>
-              <a:t>Hands on Lab: Securing a web application</a:t>
+              <a:t>Hands on Lab: Managed Identity with a Web App</a:t>
             </a:r>
           </a:p>
           <a:p>
@@ -6486,189 +6566,6 @@
     <p:extLst>
       <p:ext uri="{BB962C8B-B14F-4D97-AF65-F5344CB8AC3E}">
         <p14:creationId xmlns:p14="http://schemas.microsoft.com/office/powerpoint/2010/main" val="2742296382"/>
-      </p:ext>
-    </p:extLst>
-  </p:cSld>
-  <p:clrMapOvr>
-    <a:masterClrMapping/>
-  </p:clrMapOvr>
-</p:sld>
-</file>
-
-<file path=ppt/slides/slide20.xml><?xml version="1.0" encoding="utf-8"?>
-<p:sld xmlns:a="http://schemas.openxmlformats.org/drawingml/2006/main" xmlns:r="http://schemas.openxmlformats.org/officeDocument/2006/relationships" xmlns:p="http://schemas.openxmlformats.org/presentationml/2006/main">
-  <p:cSld>
-    <p:spTree>
-      <p:nvGrpSpPr>
-        <p:cNvPr id="1" name=""/>
-        <p:cNvGrpSpPr/>
-        <p:nvPr/>
-      </p:nvGrpSpPr>
-      <p:grpSpPr>
-        <a:xfrm>
-          <a:off x="0" y="0"/>
-          <a:ext cx="0" cy="0"/>
-          <a:chOff x="0" y="0"/>
-          <a:chExt cx="0" cy="0"/>
-        </a:xfrm>
-      </p:grpSpPr>
-      <p:sp>
-        <p:nvSpPr>
-          <p:cNvPr id="2" name="Title 1">
-            <a:extLst>
-              <a:ext uri="{FF2B5EF4-FFF2-40B4-BE49-F238E27FC236}">
-                <a16:creationId xmlns:a16="http://schemas.microsoft.com/office/drawing/2014/main" id="{40F85726-1CAE-4C0D-9124-1BF0AC4E6A95}"/>
-              </a:ext>
-            </a:extLst>
-          </p:cNvPr>
-          <p:cNvSpPr>
-            <a:spLocks noGrp="1"/>
-          </p:cNvSpPr>
-          <p:nvPr>
-            <p:ph type="title"/>
-          </p:nvPr>
-        </p:nvSpPr>
-        <p:spPr/>
-        <p:txBody>
-          <a:bodyPr/>
-          <a:lstStyle/>
-          <a:p>
-            <a:r>
-              <a:rPr lang="en-US" dirty="0"/>
-              <a:t>Resources</a:t>
-            </a:r>
-          </a:p>
-        </p:txBody>
-      </p:sp>
-      <p:sp>
-        <p:nvSpPr>
-          <p:cNvPr id="3" name="Content Placeholder 2">
-            <a:extLst>
-              <a:ext uri="{FF2B5EF4-FFF2-40B4-BE49-F238E27FC236}">
-                <a16:creationId xmlns:a16="http://schemas.microsoft.com/office/drawing/2014/main" id="{9CD5FBC4-7C6F-404F-9EAC-92B4A78EAC79}"/>
-              </a:ext>
-            </a:extLst>
-          </p:cNvPr>
-          <p:cNvSpPr>
-            <a:spLocks noGrp="1"/>
-          </p:cNvSpPr>
-          <p:nvPr>
-            <p:ph idx="1"/>
-          </p:nvPr>
-        </p:nvSpPr>
-        <p:spPr>
-          <a:xfrm>
-            <a:off x="1143000" y="1671145"/>
-            <a:ext cx="9872871" cy="4577255"/>
-          </a:xfrm>
-        </p:spPr>
-        <p:txBody>
-          <a:bodyPr>
-            <a:normAutofit fontScale="92500" lnSpcReduction="10000"/>
-          </a:bodyPr>
-          <a:lstStyle/>
-          <a:p>
-            <a:r>
-              <a:rPr lang="en-US" dirty="0"/>
-              <a:t>Samples:</a:t>
-            </a:r>
-          </a:p>
-          <a:p>
-            <a:pPr lvl="1"/>
-            <a:r>
-              <a:rPr lang="en-US" dirty="0">
-                <a:hlinkClick r:id="rId2"/>
-              </a:rPr>
-              <a:t>https://github.com/juunas11/Joonasw.ManagedIdentityDemos</a:t>
-            </a:r>
-            <a:endParaRPr lang="en-US" dirty="0"/>
-          </a:p>
-          <a:p>
-            <a:r>
-              <a:rPr lang="en-US" dirty="0"/>
-              <a:t>What is new in Azure App Service networking</a:t>
-            </a:r>
-          </a:p>
-          <a:p>
-            <a:pPr lvl="1"/>
-            <a:r>
-              <a:rPr lang="en-US" dirty="0">
-                <a:hlinkClick r:id="rId3"/>
-              </a:rPr>
-              <a:t>https://bit.ly/2FTre8Y</a:t>
-            </a:r>
-            <a:endParaRPr lang="en-US" dirty="0"/>
-          </a:p>
-          <a:p>
-            <a:r>
-              <a:rPr lang="en-US" dirty="0"/>
-              <a:t>In the security trenches of Azure SQL Database and Azure SQL Data Warehouse</a:t>
-            </a:r>
-          </a:p>
-          <a:p>
-            <a:pPr lvl="1"/>
-            <a:r>
-              <a:rPr lang="en-US" dirty="0">
-                <a:hlinkClick r:id="rId4"/>
-              </a:rPr>
-              <a:t>https://bit.ly/2S7wdIX</a:t>
-            </a:r>
-            <a:endParaRPr lang="en-US" dirty="0"/>
-          </a:p>
-          <a:p>
-            <a:r>
-              <a:rPr lang="en-US" dirty="0"/>
-              <a:t>Tutorial: Secure Azure SQL Database connection from App Service using a managed identity</a:t>
-            </a:r>
-          </a:p>
-          <a:p>
-            <a:pPr lvl="1"/>
-            <a:r>
-              <a:rPr lang="en-US" dirty="0">
-                <a:hlinkClick r:id="rId5"/>
-              </a:rPr>
-              <a:t>https://bit.ly/2RkdJAh</a:t>
-            </a:r>
-            <a:endParaRPr lang="en-US" dirty="0"/>
-          </a:p>
-          <a:p>
-            <a:r>
-              <a:rPr lang="en-US" dirty="0"/>
-              <a:t>Learn how to protect your data in Azure Storage with new features and capabilities</a:t>
-            </a:r>
-          </a:p>
-          <a:p>
-            <a:pPr lvl="1"/>
-            <a:r>
-              <a:rPr lang="en-US" dirty="0">
-                <a:hlinkClick r:id="rId6"/>
-              </a:rPr>
-              <a:t>https://bit.ly/2WjP96m</a:t>
-            </a:r>
-            <a:endParaRPr lang="en-US" dirty="0"/>
-          </a:p>
-          <a:p>
-            <a:r>
-              <a:rPr lang="en-US" dirty="0"/>
-              <a:t>Manage keys, secrets, and certificates for secure apps and data with Azure Key Vault </a:t>
-            </a:r>
-          </a:p>
-          <a:p>
-            <a:pPr lvl="1"/>
-            <a:r>
-              <a:rPr lang="en-US" dirty="0">
-                <a:hlinkClick r:id="rId7"/>
-              </a:rPr>
-              <a:t>https://bit.ly/2HEfZCU</a:t>
-            </a:r>
-            <a:endParaRPr lang="en-US" dirty="0"/>
-          </a:p>
-        </p:txBody>
-      </p:sp>
-    </p:spTree>
-    <p:extLst>
-      <p:ext uri="{BB962C8B-B14F-4D97-AF65-F5344CB8AC3E}">
-        <p14:creationId xmlns:p14="http://schemas.microsoft.com/office/powerpoint/2010/main" val="2418058692"/>
       </p:ext>
     </p:extLst>
   </p:cSld>
